--- a/Presentaciones/clase2.pptx
+++ b/Presentaciones/clase2.pptx
@@ -18,7 +18,8 @@
     <p:sldId id="267" r:id="rId12"/>
     <p:sldId id="268" r:id="rId13"/>
     <p:sldId id="269" r:id="rId14"/>
-    <p:sldId id="270" r:id="rId15"/>
+    <p:sldId id="271" r:id="rId15"/>
+    <p:sldId id="270" r:id="rId16"/>
   </p:sldIdLst>
   <p:sldSz cx="12192000" cy="6858000"/>
   <p:notesSz cx="6858000" cy="9144000"/>
@@ -256,7 +257,7 @@
           <a:p>
             <a:fld id="{AE12C833-4DC9-4BC5-903C-C804804ADBDE}" type="datetimeFigureOut">
               <a:rPr lang="es-MX" smtClean="0"/>
-              <a:t>13/10/2020</a:t>
+              <a:t>29/10/2020</a:t>
             </a:fld>
             <a:endParaRPr lang="es-MX"/>
           </a:p>
@@ -426,7 +427,7 @@
           <a:p>
             <a:fld id="{AE12C833-4DC9-4BC5-903C-C804804ADBDE}" type="datetimeFigureOut">
               <a:rPr lang="es-MX" smtClean="0"/>
-              <a:t>13/10/2020</a:t>
+              <a:t>29/10/2020</a:t>
             </a:fld>
             <a:endParaRPr lang="es-MX"/>
           </a:p>
@@ -606,7 +607,7 @@
           <a:p>
             <a:fld id="{AE12C833-4DC9-4BC5-903C-C804804ADBDE}" type="datetimeFigureOut">
               <a:rPr lang="es-MX" smtClean="0"/>
-              <a:t>13/10/2020</a:t>
+              <a:t>29/10/2020</a:t>
             </a:fld>
             <a:endParaRPr lang="es-MX"/>
           </a:p>
@@ -776,7 +777,7 @@
           <a:p>
             <a:fld id="{AE12C833-4DC9-4BC5-903C-C804804ADBDE}" type="datetimeFigureOut">
               <a:rPr lang="es-MX" smtClean="0"/>
-              <a:t>13/10/2020</a:t>
+              <a:t>29/10/2020</a:t>
             </a:fld>
             <a:endParaRPr lang="es-MX"/>
           </a:p>
@@ -1022,7 +1023,7 @@
           <a:p>
             <a:fld id="{AE12C833-4DC9-4BC5-903C-C804804ADBDE}" type="datetimeFigureOut">
               <a:rPr lang="es-MX" smtClean="0"/>
-              <a:t>13/10/2020</a:t>
+              <a:t>29/10/2020</a:t>
             </a:fld>
             <a:endParaRPr lang="es-MX"/>
           </a:p>
@@ -1254,7 +1255,7 @@
           <a:p>
             <a:fld id="{AE12C833-4DC9-4BC5-903C-C804804ADBDE}" type="datetimeFigureOut">
               <a:rPr lang="es-MX" smtClean="0"/>
-              <a:t>13/10/2020</a:t>
+              <a:t>29/10/2020</a:t>
             </a:fld>
             <a:endParaRPr lang="es-MX"/>
           </a:p>
@@ -1621,7 +1622,7 @@
           <a:p>
             <a:fld id="{AE12C833-4DC9-4BC5-903C-C804804ADBDE}" type="datetimeFigureOut">
               <a:rPr lang="es-MX" smtClean="0"/>
-              <a:t>13/10/2020</a:t>
+              <a:t>29/10/2020</a:t>
             </a:fld>
             <a:endParaRPr lang="es-MX"/>
           </a:p>
@@ -1739,7 +1740,7 @@
           <a:p>
             <a:fld id="{AE12C833-4DC9-4BC5-903C-C804804ADBDE}" type="datetimeFigureOut">
               <a:rPr lang="es-MX" smtClean="0"/>
-              <a:t>13/10/2020</a:t>
+              <a:t>29/10/2020</a:t>
             </a:fld>
             <a:endParaRPr lang="es-MX"/>
           </a:p>
@@ -1834,7 +1835,7 @@
           <a:p>
             <a:fld id="{AE12C833-4DC9-4BC5-903C-C804804ADBDE}" type="datetimeFigureOut">
               <a:rPr lang="es-MX" smtClean="0"/>
-              <a:t>13/10/2020</a:t>
+              <a:t>29/10/2020</a:t>
             </a:fld>
             <a:endParaRPr lang="es-MX"/>
           </a:p>
@@ -2111,7 +2112,7 @@
           <a:p>
             <a:fld id="{AE12C833-4DC9-4BC5-903C-C804804ADBDE}" type="datetimeFigureOut">
               <a:rPr lang="es-MX" smtClean="0"/>
-              <a:t>13/10/2020</a:t>
+              <a:t>29/10/2020</a:t>
             </a:fld>
             <a:endParaRPr lang="es-MX"/>
           </a:p>
@@ -2364,7 +2365,7 @@
           <a:p>
             <a:fld id="{AE12C833-4DC9-4BC5-903C-C804804ADBDE}" type="datetimeFigureOut">
               <a:rPr lang="es-MX" smtClean="0"/>
-              <a:t>13/10/2020</a:t>
+              <a:t>29/10/2020</a:t>
             </a:fld>
             <a:endParaRPr lang="es-MX"/>
           </a:p>
@@ -2587,7 +2588,7 @@
           <a:p>
             <a:fld id="{AE12C833-4DC9-4BC5-903C-C804804ADBDE}" type="datetimeFigureOut">
               <a:rPr lang="es-MX" smtClean="0"/>
-              <a:t>13/10/2020</a:t>
+              <a:t>29/10/2020</a:t>
             </a:fld>
             <a:endParaRPr lang="es-MX"/>
           </a:p>
@@ -5085,6 +5086,101 @@
           <a:chExt cx="0" cy="0"/>
         </a:xfrm>
       </p:grpSpPr>
+      <p:sp>
+        <p:nvSpPr>
+          <p:cNvPr id="3" name="CuadroTexto 2"/>
+          <p:cNvSpPr txBox="1"/>
+          <p:nvPr/>
+        </p:nvSpPr>
+        <p:spPr>
+          <a:xfrm>
+            <a:off x="0" y="0"/>
+            <a:ext cx="12192000" cy="6858000"/>
+          </a:xfrm>
+          <a:prstGeom prst="rect">
+            <a:avLst/>
+          </a:prstGeom>
+          <a:solidFill>
+            <a:srgbClr val="00B0F0">
+              <a:alpha val="40000"/>
+            </a:srgbClr>
+          </a:solidFill>
+        </p:spPr>
+        <p:txBody>
+          <a:bodyPr wrap="square" rtlCol="0">
+            <a:spAutoFit/>
+          </a:bodyPr>
+          <a:lstStyle/>
+          <a:p>
+            <a:endParaRPr lang="es-MX" dirty="0"/>
+          </a:p>
+        </p:txBody>
+      </p:sp>
+      <p:sp>
+        <p:nvSpPr>
+          <p:cNvPr id="2" name="CuadroTexto 1"/>
+          <p:cNvSpPr txBox="1"/>
+          <p:nvPr/>
+        </p:nvSpPr>
+        <p:spPr>
+          <a:xfrm>
+            <a:off x="0" y="2105561"/>
+            <a:ext cx="12192000" cy="2646878"/>
+          </a:xfrm>
+          <a:prstGeom prst="rect">
+            <a:avLst/>
+          </a:prstGeom>
+          <a:noFill/>
+        </p:spPr>
+        <p:txBody>
+          <a:bodyPr wrap="square" rtlCol="0">
+            <a:spAutoFit/>
+          </a:bodyPr>
+          <a:lstStyle/>
+          <a:p>
+            <a:pPr algn="ctr"/>
+            <a:r>
+              <a:rPr lang="es-MX" sz="16600" dirty="0" smtClean="0">
+                <a:latin typeface="Bahnschrift SemiBold Condensed" panose="020B0502040204020203" pitchFamily="34" charset="0"/>
+              </a:rPr>
+              <a:t>EJERCICIO</a:t>
+            </a:r>
+            <a:endParaRPr lang="es-MX" sz="16600" dirty="0">
+              <a:latin typeface="Bahnschrift SemiBold Condensed" panose="020B0502040204020203" pitchFamily="34" charset="0"/>
+            </a:endParaRPr>
+          </a:p>
+        </p:txBody>
+      </p:sp>
+    </p:spTree>
+    <p:extLst>
+      <p:ext uri="{BB962C8B-B14F-4D97-AF65-F5344CB8AC3E}">
+        <p14:creationId xmlns:p14="http://schemas.microsoft.com/office/powerpoint/2010/main" val="3612460216"/>
+      </p:ext>
+    </p:extLst>
+  </p:cSld>
+  <p:clrMapOvr>
+    <a:masterClrMapping/>
+  </p:clrMapOvr>
+</p:sld>
+</file>
+
+<file path=ppt/slides/slide15.xml><?xml version="1.0" encoding="utf-8"?>
+<p:sld xmlns:a="http://schemas.openxmlformats.org/drawingml/2006/main" xmlns:r="http://schemas.openxmlformats.org/officeDocument/2006/relationships" xmlns:p="http://schemas.openxmlformats.org/presentationml/2006/main">
+  <p:cSld>
+    <p:spTree>
+      <p:nvGrpSpPr>
+        <p:cNvPr id="1" name=""/>
+        <p:cNvGrpSpPr/>
+        <p:nvPr/>
+      </p:nvGrpSpPr>
+      <p:grpSpPr>
+        <a:xfrm>
+          <a:off x="0" y="0"/>
+          <a:ext cx="0" cy="0"/>
+          <a:chOff x="0" y="0"/>
+          <a:chExt cx="0" cy="0"/>
+        </a:xfrm>
+      </p:grpSpPr>
       <p:pic>
         <p:nvPicPr>
           <p:cNvPr id="6" name="Imagen 5"/>

--- a/Presentaciones/clase2.pptx
+++ b/Presentaciones/clase2.pptx
@@ -257,7 +257,7 @@
           <a:p>
             <a:fld id="{AE12C833-4DC9-4BC5-903C-C804804ADBDE}" type="datetimeFigureOut">
               <a:rPr lang="es-MX" smtClean="0"/>
-              <a:t>29/10/2020</a:t>
+              <a:t>03/11/2020</a:t>
             </a:fld>
             <a:endParaRPr lang="es-MX"/>
           </a:p>
@@ -427,7 +427,7 @@
           <a:p>
             <a:fld id="{AE12C833-4DC9-4BC5-903C-C804804ADBDE}" type="datetimeFigureOut">
               <a:rPr lang="es-MX" smtClean="0"/>
-              <a:t>29/10/2020</a:t>
+              <a:t>03/11/2020</a:t>
             </a:fld>
             <a:endParaRPr lang="es-MX"/>
           </a:p>
@@ -607,7 +607,7 @@
           <a:p>
             <a:fld id="{AE12C833-4DC9-4BC5-903C-C804804ADBDE}" type="datetimeFigureOut">
               <a:rPr lang="es-MX" smtClean="0"/>
-              <a:t>29/10/2020</a:t>
+              <a:t>03/11/2020</a:t>
             </a:fld>
             <a:endParaRPr lang="es-MX"/>
           </a:p>
@@ -777,7 +777,7 @@
           <a:p>
             <a:fld id="{AE12C833-4DC9-4BC5-903C-C804804ADBDE}" type="datetimeFigureOut">
               <a:rPr lang="es-MX" smtClean="0"/>
-              <a:t>29/10/2020</a:t>
+              <a:t>03/11/2020</a:t>
             </a:fld>
             <a:endParaRPr lang="es-MX"/>
           </a:p>
@@ -1023,7 +1023,7 @@
           <a:p>
             <a:fld id="{AE12C833-4DC9-4BC5-903C-C804804ADBDE}" type="datetimeFigureOut">
               <a:rPr lang="es-MX" smtClean="0"/>
-              <a:t>29/10/2020</a:t>
+              <a:t>03/11/2020</a:t>
             </a:fld>
             <a:endParaRPr lang="es-MX"/>
           </a:p>
@@ -1255,7 +1255,7 @@
           <a:p>
             <a:fld id="{AE12C833-4DC9-4BC5-903C-C804804ADBDE}" type="datetimeFigureOut">
               <a:rPr lang="es-MX" smtClean="0"/>
-              <a:t>29/10/2020</a:t>
+              <a:t>03/11/2020</a:t>
             </a:fld>
             <a:endParaRPr lang="es-MX"/>
           </a:p>
@@ -1622,7 +1622,7 @@
           <a:p>
             <a:fld id="{AE12C833-4DC9-4BC5-903C-C804804ADBDE}" type="datetimeFigureOut">
               <a:rPr lang="es-MX" smtClean="0"/>
-              <a:t>29/10/2020</a:t>
+              <a:t>03/11/2020</a:t>
             </a:fld>
             <a:endParaRPr lang="es-MX"/>
           </a:p>
@@ -1740,7 +1740,7 @@
           <a:p>
             <a:fld id="{AE12C833-4DC9-4BC5-903C-C804804ADBDE}" type="datetimeFigureOut">
               <a:rPr lang="es-MX" smtClean="0"/>
-              <a:t>29/10/2020</a:t>
+              <a:t>03/11/2020</a:t>
             </a:fld>
             <a:endParaRPr lang="es-MX"/>
           </a:p>
@@ -1835,7 +1835,7 @@
           <a:p>
             <a:fld id="{AE12C833-4DC9-4BC5-903C-C804804ADBDE}" type="datetimeFigureOut">
               <a:rPr lang="es-MX" smtClean="0"/>
-              <a:t>29/10/2020</a:t>
+              <a:t>03/11/2020</a:t>
             </a:fld>
             <a:endParaRPr lang="es-MX"/>
           </a:p>
@@ -2112,7 +2112,7 @@
           <a:p>
             <a:fld id="{AE12C833-4DC9-4BC5-903C-C804804ADBDE}" type="datetimeFigureOut">
               <a:rPr lang="es-MX" smtClean="0"/>
-              <a:t>29/10/2020</a:t>
+              <a:t>03/11/2020</a:t>
             </a:fld>
             <a:endParaRPr lang="es-MX"/>
           </a:p>
@@ -2365,7 +2365,7 @@
           <a:p>
             <a:fld id="{AE12C833-4DC9-4BC5-903C-C804804ADBDE}" type="datetimeFigureOut">
               <a:rPr lang="es-MX" smtClean="0"/>
-              <a:t>29/10/2020</a:t>
+              <a:t>03/11/2020</a:t>
             </a:fld>
             <a:endParaRPr lang="es-MX"/>
           </a:p>
@@ -2433,7 +2433,6 @@
       <p:bgPr>
         <a:blipFill dpi="0" rotWithShape="1">
           <a:blip r:embed="rId13">
-            <a:alphaModFix amt="20000"/>
             <a:lum/>
           </a:blip>
           <a:srcRect/>
@@ -2588,7 +2587,7 @@
           <a:p>
             <a:fld id="{AE12C833-4DC9-4BC5-903C-C804804ADBDE}" type="datetimeFigureOut">
               <a:rPr lang="es-MX" smtClean="0"/>
-              <a:t>29/10/2020</a:t>
+              <a:t>03/11/2020</a:t>
             </a:fld>
             <a:endParaRPr lang="es-MX"/>
           </a:p>
